--- a/Abgabe/Versionsverwaltung git.pptx
+++ b/Abgabe/Versionsverwaltung git.pptx
@@ -7602,19 +7602,7 @@
           <a:p>
             <a:r>
               <a:rPr lang="de-DE" dirty="0"/>
-              <a:t>Bietet große </a:t>
-            </a:r>
-            <a:r>
-              <a:rPr lang="de-DE" dirty="0">
-                <a:solidFill>
-                  <a:srgbClr val="FF0000"/>
-                </a:solidFill>
-              </a:rPr>
-              <a:t>Community</a:t>
-            </a:r>
-            <a:r>
-              <a:rPr lang="de-DE" dirty="0"/>
-              <a:t> und viele Erweiterungen durch Drittanbieter</a:t>
+              <a:t>Bietet große Community und viele Erweiterungen durch Drittanbieter</a:t>
             </a:r>
           </a:p>
         </p:txBody>
